--- a/П3Э Гирло А.С.pptx
+++ b/П3Э Гирло А.С.pptx
@@ -139,8 +139,8 @@
 <pc:chgInfo xmlns:a="http://schemas.openxmlformats.org/drawingml/2006/main" xmlns:r="http://schemas.openxmlformats.org/officeDocument/2006/relationships" xmlns:ac="http://schemas.microsoft.com/office/drawing/2013/main/command" xmlns:pc="http://schemas.microsoft.com/office/powerpoint/2013/main/command">
   <pc:docChgLst>
     <pc:chgData name="Алексей" userId="5016d960c8b12a83" providerId="LiveId" clId="{BC8329D4-690E-425D-ACD8-F396BCA5E977}"/>
-    <pc:docChg chg="modSld">
-      <pc:chgData name="Алексей" userId="5016d960c8b12a83" providerId="LiveId" clId="{BC8329D4-690E-425D-ACD8-F396BCA5E977}" dt="2023-01-13T04:48:00.147" v="18" actId="2711"/>
+    <pc:docChg chg="undo redo custSel modSld">
+      <pc:chgData name="Алексей" userId="5016d960c8b12a83" providerId="LiveId" clId="{BC8329D4-690E-425D-ACD8-F396BCA5E977}" dt="2023-01-13T09:28:36.483" v="27" actId="207"/>
       <pc:docMkLst>
         <pc:docMk/>
       </pc:docMkLst>
@@ -229,7 +229,7 @@
         </pc:spChg>
       </pc:sldChg>
       <pc:sldChg chg="modSp mod">
-        <pc:chgData name="Алексей" userId="5016d960c8b12a83" providerId="LiveId" clId="{BC8329D4-690E-425D-ACD8-F396BCA5E977}" dt="2023-01-13T04:47:30.082" v="14" actId="2711"/>
+        <pc:chgData name="Алексей" userId="5016d960c8b12a83" providerId="LiveId" clId="{BC8329D4-690E-425D-ACD8-F396BCA5E977}" dt="2023-01-13T09:27:46.028" v="24" actId="20577"/>
         <pc:sldMkLst>
           <pc:docMk/>
           <pc:sldMk cId="2228746369" sldId="260"/>
@@ -243,7 +243,7 @@
           </ac:spMkLst>
         </pc:spChg>
         <pc:spChg chg="mod">
-          <ac:chgData name="Алексей" userId="5016d960c8b12a83" providerId="LiveId" clId="{BC8329D4-690E-425D-ACD8-F396BCA5E977}" dt="2023-01-13T04:47:30.082" v="14" actId="2711"/>
+          <ac:chgData name="Алексей" userId="5016d960c8b12a83" providerId="LiveId" clId="{BC8329D4-690E-425D-ACD8-F396BCA5E977}" dt="2023-01-13T09:27:46.028" v="24" actId="20577"/>
           <ac:spMkLst>
             <pc:docMk/>
             <pc:sldMk cId="2228746369" sldId="260"/>
@@ -252,7 +252,7 @@
         </pc:spChg>
       </pc:sldChg>
       <pc:sldChg chg="modSp mod">
-        <pc:chgData name="Алексей" userId="5016d960c8b12a83" providerId="LiveId" clId="{BC8329D4-690E-425D-ACD8-F396BCA5E977}" dt="2023-01-13T04:48:00.147" v="18" actId="2711"/>
+        <pc:chgData name="Алексей" userId="5016d960c8b12a83" providerId="LiveId" clId="{BC8329D4-690E-425D-ACD8-F396BCA5E977}" dt="2023-01-13T09:28:36.483" v="27" actId="207"/>
         <pc:sldMkLst>
           <pc:docMk/>
           <pc:sldMk cId="429133748" sldId="261"/>
@@ -266,7 +266,7 @@
           </ac:spMkLst>
         </pc:spChg>
         <pc:spChg chg="mod">
-          <ac:chgData name="Алексей" userId="5016d960c8b12a83" providerId="LiveId" clId="{BC8329D4-690E-425D-ACD8-F396BCA5E977}" dt="2023-01-13T04:48:00.147" v="18" actId="2711"/>
+          <ac:chgData name="Алексей" userId="5016d960c8b12a83" providerId="LiveId" clId="{BC8329D4-690E-425D-ACD8-F396BCA5E977}" dt="2023-01-13T09:28:36.483" v="27" actId="207"/>
           <ac:spMkLst>
             <pc:docMk/>
             <pc:sldMk cId="429133748" sldId="261"/>
@@ -8949,165 +8949,189 @@
               <a:buNone/>
             </a:pPr>
             <a:r>
-              <a:rPr lang="ru-RU" dirty="0">
-                <a:solidFill>
-                  <a:schemeClr val="tx1">
-                    <a:lumMod val="85000"/>
-                    <a:lumOff val="15000"/>
-                  </a:schemeClr>
-                </a:solidFill>
+              <a:rPr lang="ru-RU" b="0" i="0" dirty="0">
+                <a:solidFill>
+                  <a:srgbClr val="212529"/>
+                </a:solidFill>
+                <a:effectLst/>
                 <a:latin typeface="Bahnschrift (Основной текст)"/>
-                <a:cs typeface="Calibri"/>
               </a:rPr>
-              <a:t>Во время запуска программного кода выйдет вход в систему с вводом пароля.  При введении </a:t>
-            </a:r>
-            <a:r>
-              <a:rPr lang="ru-RU" dirty="0" err="1">
-                <a:solidFill>
-                  <a:schemeClr val="tx1">
-                    <a:lumMod val="85000"/>
-                    <a:lumOff val="15000"/>
-                  </a:schemeClr>
-                </a:solidFill>
+              <a:t>Во время запуска программного кода выйдет вход в систему с вводом пароля. При введении </a:t>
+            </a:r>
+            <a:r>
+              <a:rPr lang="ru-RU" b="0" i="0" dirty="0" err="1">
+                <a:solidFill>
+                  <a:srgbClr val="212529"/>
+                </a:solidFill>
+                <a:effectLst/>
                 <a:latin typeface="Bahnschrift (Основной текст)"/>
-                <a:cs typeface="Calibri"/>
               </a:rPr>
               <a:t>пользоватем</a:t>
             </a:r>
             <a:r>
-              <a:rPr lang="ru-RU" dirty="0">
-                <a:solidFill>
-                  <a:schemeClr val="tx1">
-                    <a:lumMod val="85000"/>
-                    <a:lumOff val="15000"/>
-                  </a:schemeClr>
-                </a:solidFill>
+              <a:rPr lang="ru-RU" b="0" i="0" dirty="0">
+                <a:solidFill>
+                  <a:srgbClr val="212529"/>
+                </a:solidFill>
+                <a:effectLst/>
                 <a:latin typeface="Bahnschrift (Основной текст)"/>
-                <a:cs typeface="Calibri"/>
               </a:rPr>
-              <a:t> правильного пароля доступ к программе будет предоставлен. </a:t>
-            </a:r>
-            <a:r>
-              <a:rPr lang="ru-RU" dirty="0" err="1">
-                <a:solidFill>
-                  <a:schemeClr val="tx1">
-                    <a:lumMod val="85000"/>
-                    <a:lumOff val="15000"/>
-                  </a:schemeClr>
-                </a:solidFill>
+              <a:t> правильного пароля доступ к программе будет предоставлен. </a:t>
+            </a:r>
+            <a:r>
+              <a:rPr lang="ru-RU" b="0" i="0" dirty="0" err="1">
+                <a:solidFill>
+                  <a:srgbClr val="212529"/>
+                </a:solidFill>
+                <a:effectLst/>
                 <a:latin typeface="Bahnschrift (Основной текст)"/>
-                <a:cs typeface="Calibri"/>
               </a:rPr>
               <a:t>Пользовотель</a:t>
             </a:r>
             <a:r>
+              <a:rPr lang="ru-RU" b="0" i="0" dirty="0">
+                <a:solidFill>
+                  <a:srgbClr val="212529"/>
+                </a:solidFill>
+                <a:effectLst/>
+                <a:latin typeface="Bahnschrift (Основной текст)"/>
+              </a:rPr>
+              <a:t> вводит свое имя</a:t>
+            </a:r>
+            <a:r>
               <a:rPr lang="ru-RU" dirty="0">
-                <a:solidFill>
-                  <a:schemeClr val="tx1">
-                    <a:lumMod val="85000"/>
-                    <a:lumOff val="15000"/>
-                  </a:schemeClr>
-                </a:solidFill>
                 <a:latin typeface="Bahnschrift (Основной текст)"/>
-                <a:cs typeface="Calibri"/>
               </a:rPr>
-              <a:t> вводит свое имя после программа выдаст 3 варианта выбора машин. Пользователь просят его ИИН номер автомобиля и время аренды авто </a:t>
+              <a:t>.</a:t>
+            </a:r>
+            <a:r>
+              <a:rPr lang="ru-RU" b="0" i="0" dirty="0">
+                <a:solidFill>
+                  <a:srgbClr val="212529"/>
+                </a:solidFill>
+                <a:effectLst/>
+                <a:latin typeface="Bahnschrift (Основной текст)"/>
+              </a:rPr>
+              <a:t> После программа выдаст 3 варианта выбора машин. Пользователь просят его </a:t>
+            </a:r>
+            <a:r>
+              <a:rPr lang="ru-RU" dirty="0" err="1">
+                <a:solidFill>
+                  <a:srgbClr val="212529"/>
+                </a:solidFill>
+                <a:latin typeface="Bahnschrift (Основной текст)"/>
+              </a:rPr>
+              <a:t>и</a:t>
+            </a:r>
+            <a:r>
+              <a:rPr lang="ru-RU" b="0" i="0" dirty="0" err="1">
+                <a:solidFill>
+                  <a:srgbClr val="212529"/>
+                </a:solidFill>
+                <a:effectLst/>
+                <a:latin typeface="Bahnschrift (Основной текст)"/>
+              </a:rPr>
+              <a:t>ин</a:t>
+            </a:r>
+            <a:r>
+              <a:rPr lang="ru-RU" b="0" i="0" dirty="0">
+                <a:solidFill>
+                  <a:srgbClr val="212529"/>
+                </a:solidFill>
+                <a:effectLst/>
+                <a:latin typeface="Bahnschrift (Основной текст)"/>
+              </a:rPr>
+              <a:t> номер автомобиля и время аренды авто</a:t>
             </a:r>
             <a:r>
               <a:rPr lang="ru-RU" dirty="0">
-                <a:solidFill>
-                  <a:schemeClr val="tx1">
-                    <a:lumMod val="85000"/>
-                    <a:lumOff val="15000"/>
-                  </a:schemeClr>
-                </a:solidFill>
                 <a:latin typeface="Bahnschrift (Основной текст)"/>
-                <a:ea typeface="+mn-lt"/>
-                <a:cs typeface="+mn-lt"/>
               </a:rPr>
-              <a:t>после чего  создается или же </a:t>
-            </a:r>
-            <a:r>
-              <a:rPr lang="ru-RU" dirty="0" err="1">
-                <a:solidFill>
-                  <a:schemeClr val="tx1">
-                    <a:lumMod val="85000"/>
-                    <a:lumOff val="15000"/>
-                  </a:schemeClr>
-                </a:solidFill>
+              <a:t>,</a:t>
+            </a:r>
+            <a:r>
+              <a:rPr lang="ru-RU" b="0" i="0" dirty="0">
+                <a:solidFill>
+                  <a:srgbClr val="212529"/>
+                </a:solidFill>
+                <a:effectLst/>
                 <a:latin typeface="Bahnschrift (Основной текст)"/>
-                <a:ea typeface="+mn-lt"/>
-                <a:cs typeface="+mn-lt"/>
+              </a:rPr>
+              <a:t> после чего создается или же </a:t>
+            </a:r>
+            <a:r>
+              <a:rPr lang="ru-RU" b="0" i="0" dirty="0" err="1">
+                <a:solidFill>
+                  <a:srgbClr val="212529"/>
+                </a:solidFill>
+                <a:effectLst/>
+                <a:latin typeface="Bahnschrift (Основной текст)"/>
               </a:rPr>
               <a:t>открываеться</a:t>
             </a:r>
             <a:r>
+              <a:rPr lang="ru-RU" b="0" i="0" dirty="0">
+                <a:solidFill>
+                  <a:srgbClr val="212529"/>
+                </a:solidFill>
+                <a:effectLst/>
+                <a:latin typeface="Bahnschrift (Основной текст)"/>
+              </a:rPr>
+              <a:t> файл</a:t>
+            </a:r>
+            <a:r>
               <a:rPr lang="ru-RU" dirty="0">
-                <a:solidFill>
-                  <a:schemeClr val="tx1">
-                    <a:lumMod val="85000"/>
-                    <a:lumOff val="15000"/>
-                  </a:schemeClr>
-                </a:solidFill>
                 <a:latin typeface="Bahnschrift (Основной текст)"/>
-                <a:ea typeface="+mn-lt"/>
-                <a:cs typeface="+mn-lt"/>
               </a:rPr>
-              <a:t> файл куда </a:t>
-            </a:r>
-            <a:r>
-              <a:rPr lang="ru-RU" dirty="0" err="1">
-                <a:solidFill>
-                  <a:schemeClr val="tx1">
-                    <a:lumMod val="85000"/>
-                    <a:lumOff val="15000"/>
-                  </a:schemeClr>
-                </a:solidFill>
+              <a:t>,</a:t>
+            </a:r>
+            <a:r>
+              <a:rPr lang="ru-RU" b="0" i="0" dirty="0">
+                <a:solidFill>
+                  <a:srgbClr val="212529"/>
+                </a:solidFill>
+                <a:effectLst/>
                 <a:latin typeface="Bahnschrift (Основной текст)"/>
-                <a:ea typeface="+mn-lt"/>
-                <a:cs typeface="+mn-lt"/>
+              </a:rPr>
+              <a:t> куда </a:t>
+            </a:r>
+            <a:r>
+              <a:rPr lang="ru-RU" b="0" i="0" dirty="0" err="1">
+                <a:solidFill>
+                  <a:srgbClr val="212529"/>
+                </a:solidFill>
+                <a:effectLst/>
+                <a:latin typeface="Bahnschrift (Основной текст)"/>
               </a:rPr>
               <a:t>записываються</a:t>
             </a:r>
             <a:r>
-              <a:rPr lang="ru-RU" dirty="0">
-                <a:solidFill>
-                  <a:schemeClr val="tx1">
-                    <a:lumMod val="85000"/>
-                    <a:lumOff val="15000"/>
-                  </a:schemeClr>
-                </a:solidFill>
+              <a:rPr lang="ru-RU" b="0" i="0" dirty="0">
+                <a:solidFill>
+                  <a:srgbClr val="212529"/>
+                </a:solidFill>
+                <a:effectLst/>
                 <a:latin typeface="Bahnschrift (Основной текст)"/>
-                <a:ea typeface="+mn-lt"/>
-                <a:cs typeface="+mn-lt"/>
               </a:rPr>
               <a:t> </a:t>
             </a:r>
             <a:r>
-              <a:rPr lang="ru-RU" dirty="0" err="1">
-                <a:solidFill>
-                  <a:schemeClr val="tx1">
-                    <a:lumMod val="85000"/>
-                    <a:lumOff val="15000"/>
-                  </a:schemeClr>
-                </a:solidFill>
+              <a:rPr lang="ru-RU" b="0" i="0" dirty="0" err="1">
+                <a:solidFill>
+                  <a:srgbClr val="212529"/>
+                </a:solidFill>
+                <a:effectLst/>
                 <a:latin typeface="Bahnschrift (Основной текст)"/>
-                <a:ea typeface="+mn-lt"/>
-                <a:cs typeface="+mn-lt"/>
               </a:rPr>
               <a:t>введеные</a:t>
             </a:r>
             <a:r>
-              <a:rPr lang="ru-RU" dirty="0">
-                <a:solidFill>
-                  <a:schemeClr val="tx1">
-                    <a:lumMod val="85000"/>
-                    <a:lumOff val="15000"/>
-                  </a:schemeClr>
-                </a:solidFill>
+              <a:rPr lang="ru-RU" b="0" i="0" dirty="0">
+                <a:solidFill>
+                  <a:srgbClr val="212529"/>
+                </a:solidFill>
+                <a:effectLst/>
                 <a:latin typeface="Bahnschrift (Основной текст)"/>
-                <a:ea typeface="+mn-lt"/>
-                <a:cs typeface="+mn-lt"/>
               </a:rPr>
               <a:t> данные пользователя.</a:t>
             </a:r>
@@ -9214,28 +9238,38 @@
               <a:buNone/>
             </a:pPr>
             <a:r>
+              <a:rPr lang="ru-RU" b="0" i="0" dirty="0">
+                <a:effectLst/>
+                <a:latin typeface="Bahnschrift (Основной текст)"/>
+              </a:rPr>
+              <a:t>Для написания данного проекта были применены различные теоретические материалы, благодаря которым была закреплена теория</a:t>
+            </a:r>
+            <a:r>
               <a:rPr lang="ru-RU" dirty="0">
                 <a:latin typeface="Bahnschrift (Основной текст)"/>
-                <a:ea typeface="+mn-lt"/>
-                <a:cs typeface="+mn-lt"/>
               </a:rPr>
-              <a:t>Для написания данного проекта были применены различные теоретические материалы, благодаря которым была закреплена теория </a:t>
-            </a:r>
-            <a:r>
-              <a:rPr lang="ru-RU" dirty="0" err="1">
+              <a:t>,</a:t>
+            </a:r>
+            <a:r>
+              <a:rPr lang="ru-RU" b="0" i="0" dirty="0">
+                <a:effectLst/>
                 <a:latin typeface="Bahnschrift (Основной текст)"/>
-                <a:ea typeface="+mn-lt"/>
-                <a:cs typeface="+mn-lt"/>
+              </a:rPr>
+              <a:t> </a:t>
+            </a:r>
+            <a:r>
+              <a:rPr lang="ru-RU" b="0" i="0" dirty="0" err="1">
+                <a:effectLst/>
+                <a:latin typeface="Bahnschrift (Основной текст)"/>
               </a:rPr>
               <a:t>иподготовлена</a:t>
             </a:r>
             <a:r>
-              <a:rPr lang="ru-RU" dirty="0">
+              <a:rPr lang="ru-RU" b="0" i="0" dirty="0">
+                <a:effectLst/>
                 <a:latin typeface="Bahnschrift (Основной текст)"/>
-                <a:ea typeface="+mn-lt"/>
-                <a:cs typeface="+mn-lt"/>
               </a:rPr>
-              <a:t> база для применения ее на практике. Благодаря производственной практике я собрал общую информацию о проделанной работе и актуализировал свои знания в области программирования.</a:t>
+              <a:t> база для применения ее на практике. Благодаря производственной практике я собрал общую информацию о проделанной работе и актуализировал свои знания в области программирования.</a:t>
             </a:r>
             <a:endParaRPr lang="ru-RU" dirty="0">
               <a:latin typeface="Bahnschrift (Основной текст)"/>
